--- a/slides/第5讲.pptx
+++ b/slides/第5讲.pptx
@@ -1613,7 +1613,7 @@
           <a:p>
             <a:fld id="{59493D29-A96E-4F02-A4FF-00609BBA5A4F}" type="datetimeFigureOut">
               <a:rPr lang="zh-CN" altLang="en-US" smtClean="0"/>
-              <a:t>2019/10/9</a:t>
+              <a:t>2020/10/17</a:t>
             </a:fld>
             <a:endParaRPr lang="zh-CN" altLang="en-US"/>
           </a:p>
@@ -2052,11 +2052,11 @@
           <a:lstStyle/>
           <a:p>
             <a:r>
-              <a:rPr lang="en-US" altLang="zh-CN" dirty="0" smtClean="0"/>
-              <a:t>2019</a:t>
-            </a:r>
-            <a:r>
-              <a:rPr lang="zh-CN" altLang="en-US" dirty="0" smtClean="0"/>
+              <a:rPr lang="en-US" altLang="zh-CN" smtClean="0"/>
+              <a:t>2020</a:t>
+            </a:r>
+            <a:r>
+              <a:rPr lang="zh-CN" altLang="en-US" smtClean="0"/>
               <a:t>年</a:t>
             </a:r>
             <a:r>
